--- a/Lecture 2/Python Lecture 2 Presentation.pptx
+++ b/Lecture 2/Python Lecture 2 Presentation.pptx
@@ -265,6 +265,9 @@
     </a:lvl9pPr>
   </p:defaultTextStyle>
   <p:extLst>
+    <p:ext uri="{EFAFB233-063F-42B5-8137-9DF3F51BA10A}">
+      <p15:sldGuideLst xmlns:p15="http://schemas.microsoft.com/office/powerpoint/2012/main"/>
+    </p:ext>
     <p:ext uri="http://customooxmlschemas.google.com/">
       <go:slidesCustomData xmlns:go="http://customooxmlschemas.google.com/" xmlns:ahyp="http://schemas.microsoft.com/office/drawing/2018/hyperlinkcolor" xmlns:p15="http://schemas.microsoft.com/office/powerpoint/2012/main" xmlns:p14="http://schemas.microsoft.com/office/powerpoint/2010/main" xmlns:com="http://schemas.openxmlformats.org/drawingml/2006/compatibility" xmlns:pvml="urn:schemas-microsoft-com:office:powerpoint" xmlns:v="urn:schemas-microsoft-com:vml" xmlns:o="urn:schemas-microsoft-com:office:office" xmlns:dgm="http://schemas.openxmlformats.org/drawingml/2006/diagram" xmlns:c="http://schemas.openxmlformats.org/drawingml/2006/chart" xmlns:mv="urn:schemas-microsoft-com:mac:vml" xmlns:mc="http://schemas.openxmlformats.org/markup-compatibility/2006" xmlns="" r:id="rId19" roundtripDataSignature="AMtx7mgorAciAJXBw0g75LbHQTKCsDeXmg=="/>
     </p:ext>
@@ -14714,7 +14717,7 @@
           <p:nvPr>
             <p:extLst>
               <p:ext uri="{D42A27DB-BD31-4B8C-83A1-F6EECF244321}">
-                <p14:modId xmlns:p14="http://schemas.microsoft.com/office/powerpoint/2010/main" val="873982197"/>
+                <p14:modId xmlns:p14="http://schemas.microsoft.com/office/powerpoint/2010/main" val="3818255763"/>
               </p:ext>
             </p:extLst>
           </p:nvPr>
@@ -15935,7 +15938,7 @@
                         </a:spcAft>
                       </a:pPr>
                       <a:r>
-                        <a:rPr lang="en-US" sz="1000">
+                        <a:rPr lang="en-US" sz="1000" dirty="0">
                           <a:effectLst/>
                         </a:rPr>
                         <a:t>As a condition, it returns true if both statements are true. </a:t>
@@ -15954,7 +15957,7 @@
                         </a:spcAft>
                       </a:pPr>
                       <a:r>
-                        <a:rPr lang="en-US" sz="1000">
+                        <a:rPr lang="en-US" sz="1000" dirty="0">
                           <a:effectLst/>
                         </a:rPr>
                         <a:t> </a:t>
@@ -15973,12 +15976,12 @@
                         </a:spcAft>
                       </a:pPr>
                       <a:r>
-                        <a:rPr lang="en-US" sz="1000">
+                        <a:rPr lang="en-US" sz="1000" dirty="0">
                           <a:effectLst/>
                         </a:rPr>
-                        <a:t>If you enter raw conditions without control statements (if clauses), if there is one false statement, returns first False statement. If both are True, returns the last True Statement. </a:t>
+                        <a:t>If there is one false statement, returns first False statement. If both are True, returns the last True Statement. </a:t>
                       </a:r>
-                      <a:endParaRPr lang="en-US" sz="1000">
+                      <a:endParaRPr lang="en-US" sz="1000" dirty="0">
                         <a:effectLst/>
                         <a:latin typeface="Calibri" panose="020F0502020204030204" pitchFamily="34" charset="0"/>
                         <a:ea typeface="Calibri" panose="020F0502020204030204" pitchFamily="34" charset="0"/>
@@ -16117,7 +16120,7 @@
                         <a:rPr lang="en-US" sz="1000" dirty="0">
                           <a:effectLst/>
                         </a:rPr>
-                        <a:t>If you enter raw conditions without control statements (if clauses), if there is one false statement, returns first True statement. If both are True, returns the last True Statement. </a:t>
+                        <a:t>If there is one false statement, returns first True statement. If both are True, returns the first True Statement. </a:t>
                       </a:r>
                       <a:endParaRPr lang="en-US" sz="1000" dirty="0">
                         <a:effectLst/>
@@ -16780,7 +16783,7 @@
         </p:spPr>
         <p:txBody>
           <a:bodyPr spcFirstLastPara="1" lIns="91425" tIns="45700" rIns="91425" bIns="45700" anchorCtr="0">
-            <a:normAutofit/>
+            <a:normAutofit lnSpcReduction="10000"/>
           </a:bodyPr>
           <a:lstStyle/>
           <a:p>
@@ -16859,7 +16862,7 @@
               <a:rPr lang="en-US" sz="2400" dirty="0">
                 <a:latin typeface="Playfair Display"/>
               </a:rPr>
-              <a:t>We can also slice lists. Slicing a list creates a copy of part or all of list. </a:t>
+              <a:t>We can also slice lists. Slicing a list creates a copy of part or all of list. The syntax for slicing a list is ‘list[&lt;start index&gt;:&lt;end index&gt;:&lt;step size&gt;]. </a:t>
             </a:r>
           </a:p>
           <a:p>
